--- a/docs/Project Apollo - v04.pptx
+++ b/docs/Project Apollo - v04.pptx
@@ -3377,7 +3377,7 @@
         </p:nvSpPr>
         <p:spPr>
           <a:xfrm>
-            <a:off x="223107" y="872455"/>
+            <a:off x="223107" y="717258"/>
             <a:ext cx="11244644" cy="6140742"/>
           </a:xfrm>
         </p:spPr>
@@ -3632,10 +3632,17 @@
             </a:r>
           </a:p>
           <a:p>
-            <a:pPr lvl="2" fontAlgn="ctr"/>
+            <a:pPr lvl="3" fontAlgn="ctr"/>
             <a:r>
               <a:rPr lang="en-US" dirty="0"/>
               <a:t>3” TFT touch screen for diagnostic messages, medical-grade buzzer </a:t>
+            </a:r>
+          </a:p>
+          <a:p>
+            <a:pPr lvl="3" fontAlgn="ctr"/>
+            <a:r>
+              <a:rPr lang="en-US" dirty="0"/>
+              <a:t>Auto-tuning (valve timing, auto-adjusts to changes in compressed air input pressure)</a:t>
             </a:r>
           </a:p>
         </p:txBody>
